--- a/组会-吴冀亮.pptx
+++ b/组会-吴冀亮.pptx
@@ -219,7 +219,7 @@
           <a:p>
             <a:fld id="{F834D448-3EE9-44C7-B50D-6262B0E939A9}" type="datetimeFigureOut">
               <a:rPr lang="zh-CN" altLang="en-US" smtClean="0"/>
-              <a:t>2017/9/29</a:t>
+              <a:t>2017/10/9</a:t>
             </a:fld>
             <a:endParaRPr lang="zh-CN" altLang="en-US"/>
           </a:p>
@@ -551,6 +551,90 @@
           <a:p>
             <a:fld id="{A04269B9-424C-4104-ABD7-DEAD475607FC}" type="slidenum">
               <a:rPr lang="zh-CN" altLang="en-US" smtClean="0"/>
+              <a:t>4</a:t>
+            </a:fld>
+            <a:endParaRPr lang="zh-CN" altLang="en-US"/>
+          </a:p>
+        </p:txBody>
+      </p:sp>
+    </p:spTree>
+    <p:extLst>
+      <p:ext uri="{BB962C8B-B14F-4D97-AF65-F5344CB8AC3E}">
+        <p14:creationId xmlns:p14="http://schemas.microsoft.com/office/powerpoint/2010/main" val="1320592308"/>
+      </p:ext>
+    </p:extLst>
+  </p:cSld>
+  <p:clrMapOvr>
+    <a:masterClrMapping/>
+  </p:clrMapOvr>
+</p:notes>
+</file>
+
+<file path=ppt/notesSlides/notesSlide2.xml><?xml version="1.0" encoding="utf-8"?>
+<p:notes xmlns:a="http://schemas.openxmlformats.org/drawingml/2006/main" xmlns:r="http://schemas.openxmlformats.org/officeDocument/2006/relationships" xmlns:p="http://schemas.openxmlformats.org/presentationml/2006/main">
+  <p:cSld>
+    <p:spTree>
+      <p:nvGrpSpPr>
+        <p:cNvPr id="1" name=""/>
+        <p:cNvGrpSpPr/>
+        <p:nvPr/>
+      </p:nvGrpSpPr>
+      <p:grpSpPr>
+        <a:xfrm>
+          <a:off x="0" y="0"/>
+          <a:ext cx="0" cy="0"/>
+          <a:chOff x="0" y="0"/>
+          <a:chExt cx="0" cy="0"/>
+        </a:xfrm>
+      </p:grpSpPr>
+      <p:sp>
+        <p:nvSpPr>
+          <p:cNvPr id="2" name="幻灯片图像占位符 1"/>
+          <p:cNvSpPr>
+            <a:spLocks noGrp="1" noRot="1" noChangeAspect="1"/>
+          </p:cNvSpPr>
+          <p:nvPr>
+            <p:ph type="sldImg"/>
+          </p:nvPr>
+        </p:nvSpPr>
+        <p:spPr/>
+      </p:sp>
+      <p:sp>
+        <p:nvSpPr>
+          <p:cNvPr id="3" name="备注占位符 2"/>
+          <p:cNvSpPr>
+            <a:spLocks noGrp="1"/>
+          </p:cNvSpPr>
+          <p:nvPr>
+            <p:ph type="body" idx="1"/>
+          </p:nvPr>
+        </p:nvSpPr>
+        <p:spPr/>
+        <p:txBody>
+          <a:bodyPr/>
+          <a:lstStyle/>
+          <a:p>
+            <a:endParaRPr lang="zh-CN" altLang="en-US" dirty="0"/>
+          </a:p>
+        </p:txBody>
+      </p:sp>
+      <p:sp>
+        <p:nvSpPr>
+          <p:cNvPr id="4" name="灯片编号占位符 3"/>
+          <p:cNvSpPr>
+            <a:spLocks noGrp="1"/>
+          </p:cNvSpPr>
+          <p:nvPr>
+            <p:ph type="sldNum" sz="quarter" idx="10"/>
+          </p:nvPr>
+        </p:nvSpPr>
+        <p:spPr/>
+        <p:txBody>
+          <a:bodyPr/>
+          <a:lstStyle/>
+          <a:p>
+            <a:fld id="{A04269B9-424C-4104-ABD7-DEAD475607FC}" type="slidenum">
+              <a:rPr lang="zh-CN" altLang="en-US" smtClean="0"/>
               <a:t>18</a:t>
             </a:fld>
             <a:endParaRPr lang="zh-CN" altLang="en-US"/>
@@ -701,7 +785,7 @@
           <a:p>
             <a:fld id="{1435407D-167D-4C4D-8D35-E1E7CFE3A8B2}" type="datetime1">
               <a:rPr lang="zh-CN" altLang="en-US" smtClean="0"/>
-              <a:t>2017/9/29</a:t>
+              <a:t>2017/10/9</a:t>
             </a:fld>
             <a:endParaRPr lang="zh-CN" altLang="en-US"/>
           </a:p>
@@ -875,7 +959,7 @@
           <a:p>
             <a:fld id="{B706C919-FB06-4D70-BFC9-5FECE70ACEA1}" type="datetime1">
               <a:rPr lang="zh-CN" altLang="en-US" smtClean="0"/>
-              <a:t>2017/9/29</a:t>
+              <a:t>2017/10/9</a:t>
             </a:fld>
             <a:endParaRPr lang="zh-CN" altLang="en-US"/>
           </a:p>
@@ -1055,7 +1139,7 @@
           <a:p>
             <a:fld id="{2CCBF03E-1EF1-4F03-9856-8819F54E67BF}" type="datetime1">
               <a:rPr lang="zh-CN" altLang="en-US" smtClean="0"/>
-              <a:t>2017/9/29</a:t>
+              <a:t>2017/10/9</a:t>
             </a:fld>
             <a:endParaRPr lang="zh-CN" altLang="en-US"/>
           </a:p>
@@ -1225,7 +1309,7 @@
           <a:p>
             <a:fld id="{83AE1347-0A7E-4F5A-8CF4-04E6B8AFC9DE}" type="datetime1">
               <a:rPr lang="zh-CN" altLang="en-US" smtClean="0"/>
-              <a:t>2017/9/29</a:t>
+              <a:t>2017/10/9</a:t>
             </a:fld>
             <a:endParaRPr lang="zh-CN" altLang="en-US"/>
           </a:p>
@@ -1469,7 +1553,7 @@
           <a:p>
             <a:fld id="{EC3AA76E-F278-4EA2-BD4F-12D46A85C428}" type="datetime1">
               <a:rPr lang="zh-CN" altLang="en-US" smtClean="0"/>
-              <a:t>2017/9/29</a:t>
+              <a:t>2017/10/9</a:t>
             </a:fld>
             <a:endParaRPr lang="zh-CN" altLang="en-US"/>
           </a:p>
@@ -1701,7 +1785,7 @@
           <a:p>
             <a:fld id="{EA89E9BB-E0EF-40EA-AB4D-8CE821EE6A62}" type="datetime1">
               <a:rPr lang="zh-CN" altLang="en-US" smtClean="0"/>
-              <a:t>2017/9/29</a:t>
+              <a:t>2017/10/9</a:t>
             </a:fld>
             <a:endParaRPr lang="zh-CN" altLang="en-US"/>
           </a:p>
@@ -2068,7 +2152,7 @@
           <a:p>
             <a:fld id="{DF209D71-82AC-45ED-9E16-C5B2DAB86C96}" type="datetime1">
               <a:rPr lang="zh-CN" altLang="en-US" smtClean="0"/>
-              <a:t>2017/9/29</a:t>
+              <a:t>2017/10/9</a:t>
             </a:fld>
             <a:endParaRPr lang="zh-CN" altLang="en-US"/>
           </a:p>
@@ -2186,7 +2270,7 @@
           <a:p>
             <a:fld id="{5A19BA88-B907-4721-B1E0-9814DD4C047E}" type="datetime1">
               <a:rPr lang="zh-CN" altLang="en-US" smtClean="0"/>
-              <a:t>2017/9/29</a:t>
+              <a:t>2017/10/9</a:t>
             </a:fld>
             <a:endParaRPr lang="zh-CN" altLang="en-US"/>
           </a:p>
@@ -2281,7 +2365,7 @@
           <a:p>
             <a:fld id="{B6F978BE-9114-4A12-89E0-57DB5AD4378A}" type="datetime1">
               <a:rPr lang="zh-CN" altLang="en-US" smtClean="0"/>
-              <a:t>2017/9/29</a:t>
+              <a:t>2017/10/9</a:t>
             </a:fld>
             <a:endParaRPr lang="zh-CN" altLang="en-US"/>
           </a:p>
@@ -2558,7 +2642,7 @@
           <a:p>
             <a:fld id="{32FE5BD2-BC3E-4F46-974F-438A8B14D137}" type="datetime1">
               <a:rPr lang="zh-CN" altLang="en-US" smtClean="0"/>
-              <a:t>2017/9/29</a:t>
+              <a:t>2017/10/9</a:t>
             </a:fld>
             <a:endParaRPr lang="zh-CN" altLang="en-US"/>
           </a:p>
@@ -2815,7 +2899,7 @@
           <a:p>
             <a:fld id="{74E1209D-6DF5-4139-B487-880A6E97B30C}" type="datetime1">
               <a:rPr lang="zh-CN" altLang="en-US" smtClean="0"/>
-              <a:t>2017/9/29</a:t>
+              <a:t>2017/10/9</a:t>
             </a:fld>
             <a:endParaRPr lang="zh-CN" altLang="en-US"/>
           </a:p>
@@ -3028,7 +3112,7 @@
           <a:p>
             <a:fld id="{0C111A56-E1BE-4C26-80DC-CCE54CA91991}" type="datetime1">
               <a:rPr lang="zh-CN" altLang="en-US" smtClean="0"/>
-              <a:t>2017/9/29</a:t>
+              <a:t>2017/10/9</a:t>
             </a:fld>
             <a:endParaRPr lang="zh-CN" altLang="en-US"/>
           </a:p>
@@ -24717,7 +24801,7 @@
           <p:nvPr/>
         </p:nvPicPr>
         <p:blipFill>
-          <a:blip r:embed="rId2"/>
+          <a:blip r:embed="rId3"/>
           <a:stretch>
             <a:fillRect/>
           </a:stretch>
@@ -24923,7 +25007,27 @@
                   <a:latin typeface="微软雅黑" panose="020B0503020204020204" pitchFamily="34" charset="-122"/>
                   <a:ea typeface="微软雅黑" panose="020B0503020204020204" pitchFamily="34" charset="-122"/>
                 </a:rPr>
-                <a:t>：短距离，片上互连系统                       </a:t>
+                <a:t>：短距离，片上互连系统         </a:t>
+              </a:r>
+              <a:r>
+                <a:rPr lang="en-US" altLang="zh-CN" dirty="0">
+                  <a:solidFill>
+                    <a:srgbClr val="FF0000"/>
+                  </a:solidFill>
+                  <a:latin typeface="微软雅黑" panose="020B0503020204020204" pitchFamily="34" charset="-122"/>
+                  <a:ea typeface="微软雅黑" panose="020B0503020204020204" pitchFamily="34" charset="-122"/>
+                </a:rPr>
+                <a:t>71Gbps   NRZ      28</a:t>
+              </a:r>
+              <a:r>
+                <a:rPr lang="zh-CN" altLang="en-US" dirty="0">
+                  <a:solidFill>
+                    <a:srgbClr val="FF0000"/>
+                  </a:solidFill>
+                  <a:latin typeface="微软雅黑" panose="020B0503020204020204" pitchFamily="34" charset="-122"/>
+                  <a:ea typeface="微软雅黑" panose="020B0503020204020204" pitchFamily="34" charset="-122"/>
+                </a:rPr>
+                <a:t>℃</a:t>
               </a:r>
               <a:r>
                 <a:rPr lang="en-US" altLang="zh-CN" dirty="0">
@@ -24931,53 +25035,49 @@
                     <a:srgbClr val="FF0000"/>
                   </a:solidFill>
                 </a:rPr>
-                <a:t>40Gbps   </a:t>
+                <a:t>  </a:t>
               </a:r>
             </a:p>
             <a:p>
               <a:r>
                 <a:rPr lang="en-US" altLang="zh-CN" dirty="0"/>
-                <a:t>                    </a:t>
+                <a:t>                           </a:t>
               </a:r>
               <a:r>
                 <a:rPr lang="en-US" altLang="zh-CN" sz="1600" dirty="0"/>
-                <a:t>Alireza Sharif-</a:t>
+                <a:t>Daniel M. </a:t>
               </a:r>
               <a:r>
                 <a:rPr lang="en-US" altLang="zh-CN" sz="1600" dirty="0" err="1"/>
-                <a:t>Bakhtiar</a:t>
+                <a:t>Kuchta</a:t>
               </a:r>
               <a:r>
-                <a:rPr lang="en-US" altLang="zh-CN" sz="1400" dirty="0" err="1">
-                  <a:latin typeface="微软雅黑" panose="020B0503020204020204" pitchFamily="34" charset="-122"/>
+                <a:rPr lang="en-US" altLang="zh-CN" sz="1600" dirty="0" err="1">
                   <a:ea typeface="微软雅黑" panose="020B0503020204020204" pitchFamily="34" charset="-122"/>
                 </a:rPr>
                 <a:t>,etc</a:t>
               </a:r>
               <a:r>
-                <a:rPr lang="en-US" altLang="zh-CN" sz="1400" dirty="0">
-                  <a:latin typeface="微软雅黑" panose="020B0503020204020204" pitchFamily="34" charset="-122"/>
+                <a:rPr lang="en-US" altLang="zh-CN" sz="1600" dirty="0">
                   <a:ea typeface="微软雅黑" panose="020B0503020204020204" pitchFamily="34" charset="-122"/>
                 </a:rPr>
                 <a:t>,</a:t>
               </a:r>
               <a:r>
-                <a:rPr lang="en-US" altLang="zh-CN" sz="1400" dirty="0"/>
-                <a:t> IEEE,</a:t>
+                <a:rPr lang="en-US" altLang="zh-CN" sz="1600" dirty="0"/>
+                <a:t> IEEE Photonics Technology Letters ,</a:t>
               </a:r>
               <a:r>
-                <a:rPr lang="en-US" altLang="zh-CN" sz="1400" dirty="0">
-                  <a:latin typeface="微软雅黑" panose="020B0503020204020204" pitchFamily="34" charset="-122"/>
+                <a:rPr lang="en-US" altLang="zh-CN" sz="1600" dirty="0">
                   <a:ea typeface="微软雅黑" panose="020B0503020204020204" pitchFamily="34" charset="-122"/>
                 </a:rPr>
                 <a:t> </a:t>
               </a:r>
               <a:r>
-                <a:rPr lang="en-US" altLang="zh-CN" sz="1400" dirty="0"/>
-                <a:t>978-1-5090-5191-5  2017</a:t>
+                <a:rPr lang="en-US" altLang="zh-CN" sz="1600" dirty="0"/>
+                <a:t>2014</a:t>
               </a:r>
-              <a:endParaRPr lang="zh-CN" altLang="en-US" dirty="0">
-                <a:latin typeface="微软雅黑" panose="020B0503020204020204" pitchFamily="34" charset="-122"/>
+              <a:endParaRPr lang="zh-CN" altLang="en-US" sz="1600" dirty="0">
                 <a:ea typeface="微软雅黑" panose="020B0503020204020204" pitchFamily="34" charset="-122"/>
               </a:endParaRPr>
             </a:p>
@@ -24998,7 +25098,7 @@
           <p:spPr>
             <a:xfrm>
               <a:off x="762159" y="1992522"/>
-              <a:ext cx="8904570" cy="646331"/>
+              <a:ext cx="8904570" cy="615553"/>
             </a:xfrm>
             <a:prstGeom prst="rect">
               <a:avLst/>
@@ -25041,36 +25141,51 @@
                   <a:latin typeface="微软雅黑" panose="020B0503020204020204" pitchFamily="34" charset="-122"/>
                   <a:ea typeface="微软雅黑" panose="020B0503020204020204" pitchFamily="34" charset="-122"/>
                 </a:rPr>
-                <a:t>                                   </a:t>
+                <a:t>                  </a:t>
               </a:r>
               <a:r>
                 <a:rPr lang="en-US" altLang="zh-CN" dirty="0">
                   <a:solidFill>
                     <a:srgbClr val="FF0000"/>
                   </a:solidFill>
+                  <a:latin typeface="微软雅黑" panose="020B0503020204020204" pitchFamily="34" charset="-122"/>
+                  <a:ea typeface="微软雅黑" panose="020B0503020204020204" pitchFamily="34" charset="-122"/>
                 </a:rPr>
-                <a:t>4×28Gbps</a:t>
+                <a:t>56Gbps   NRZ      55</a:t>
               </a:r>
-              <a:endParaRPr lang="en-US" altLang="zh-CN" dirty="0"/>
+              <a:r>
+                <a:rPr lang="zh-CN" altLang="en-US" dirty="0">
+                  <a:solidFill>
+                    <a:srgbClr val="FF0000"/>
+                  </a:solidFill>
+                  <a:latin typeface="微软雅黑" panose="020B0503020204020204" pitchFamily="34" charset="-122"/>
+                  <a:ea typeface="微软雅黑" panose="020B0503020204020204" pitchFamily="34" charset="-122"/>
+                </a:rPr>
+                <a:t>℃</a:t>
+              </a:r>
+              <a:endParaRPr lang="en-US" altLang="zh-CN" dirty="0">
+                <a:latin typeface="微软雅黑" panose="020B0503020204020204" pitchFamily="34" charset="-122"/>
+                <a:ea typeface="微软雅黑" panose="020B0503020204020204" pitchFamily="34" charset="-122"/>
+              </a:endParaRPr>
             </a:p>
             <a:p>
               <a:r>
-                <a:rPr lang="en-US" altLang="zh-CN" dirty="0"/>
-                <a:t>                     </a:t>
+                <a:rPr lang="en-US" altLang="zh-CN" sz="1600" dirty="0"/>
+                <a:t>                               K. Nakahara </a:t>
               </a:r>
               <a:r>
                 <a:rPr lang="en-US" altLang="zh-CN" sz="1400" dirty="0">
                   <a:latin typeface="微软雅黑" panose="020B0503020204020204" pitchFamily="34" charset="-122"/>
                   <a:ea typeface="微软雅黑" panose="020B0503020204020204" pitchFamily="34" charset="-122"/>
                 </a:rPr>
-                <a:t>J. Tang </a:t>
+                <a:t>,</a:t>
               </a:r>
               <a:r>
                 <a:rPr lang="en-US" altLang="zh-CN" sz="1400" dirty="0" err="1">
                   <a:latin typeface="微软雅黑" panose="020B0503020204020204" pitchFamily="34" charset="-122"/>
                   <a:ea typeface="微软雅黑" panose="020B0503020204020204" pitchFamily="34" charset="-122"/>
                 </a:rPr>
-                <a:t>and,etc</a:t>
+                <a:t>etc</a:t>
               </a:r>
               <a:r>
                 <a:rPr lang="en-US" altLang="zh-CN" sz="1400" dirty="0">
@@ -25084,7 +25199,7 @@
                   <a:latin typeface="微软雅黑" panose="020B0503020204020204" pitchFamily="34" charset="-122"/>
                   <a:ea typeface="微软雅黑" panose="020B0503020204020204" pitchFamily="34" charset="-122"/>
                 </a:rPr>
-                <a:t>J. Lightwave Technol., vol. 24, no. 6, pp. 2318-2327, Jun. 2006</a:t>
+                <a:t>SOA, Jun. 2015</a:t>
               </a:r>
               <a:endParaRPr lang="zh-CN" altLang="en-US" dirty="0">
                 <a:latin typeface="微软雅黑" panose="020B0503020204020204" pitchFamily="34" charset="-122"/>
@@ -25130,13 +25245,15 @@
                   <a:latin typeface="微软雅黑" panose="020B0503020204020204" pitchFamily="34" charset="-122"/>
                   <a:ea typeface="微软雅黑" panose="020B0503020204020204" pitchFamily="34" charset="-122"/>
                 </a:rPr>
-                <a:t>光子晶体：功耗低                       </a:t>
+                <a:t>光子晶体：功耗低                             </a:t>
               </a:r>
               <a:r>
                 <a:rPr lang="en-US" altLang="zh-CN" dirty="0">
                   <a:solidFill>
                     <a:srgbClr val="FF0000"/>
                   </a:solidFill>
+                  <a:latin typeface="微软雅黑" panose="020B0503020204020204" pitchFamily="34" charset="-122"/>
+                  <a:ea typeface="微软雅黑" panose="020B0503020204020204" pitchFamily="34" charset="-122"/>
                 </a:rPr>
                 <a:t>10Gbps   4.4fJ/bit   </a:t>
               </a:r>
@@ -25144,7 +25261,7 @@
             <a:p>
               <a:r>
                 <a:rPr lang="en-US" altLang="zh-CN" dirty="0"/>
-                <a:t>                    </a:t>
+                <a:t>                           </a:t>
               </a:r>
               <a:r>
                 <a:rPr lang="en-US" altLang="zh-CN" sz="1600" dirty="0"/>
@@ -25236,10 +25353,10 @@
         </p:nvGrpSpPr>
         <p:grpSpPr>
           <a:xfrm>
-            <a:off x="772791" y="4974138"/>
-            <a:ext cx="5622052" cy="1256382"/>
-            <a:chOff x="1148558" y="4920996"/>
-            <a:chExt cx="5622052" cy="1256382"/>
+            <a:off x="772791" y="4901284"/>
+            <a:ext cx="6933308" cy="1145142"/>
+            <a:chOff x="1148558" y="4848142"/>
+            <a:chExt cx="6933308" cy="1145142"/>
           </a:xfrm>
         </p:grpSpPr>
         <p:sp>
@@ -25256,7 +25373,7 @@
           </p:nvSpPr>
           <p:spPr>
             <a:xfrm>
-              <a:off x="1148558" y="4920996"/>
+              <a:off x="1148558" y="5623952"/>
               <a:ext cx="1683474" cy="369332"/>
             </a:xfrm>
             <a:prstGeom prst="rect">
@@ -25298,8 +25415,8 @@
           </p:nvSpPr>
           <p:spPr>
             <a:xfrm>
-              <a:off x="1148558" y="5531047"/>
-              <a:ext cx="5622052" cy="646331"/>
+              <a:off x="1148558" y="4848142"/>
+              <a:ext cx="6933308" cy="646331"/>
             </a:xfrm>
             <a:prstGeom prst="rect">
               <a:avLst/>
@@ -25346,13 +25463,14 @@
                 <a:rPr lang="en-US" altLang="zh-CN" dirty="0">
                   <a:ea typeface="微软雅黑" panose="020B0503020204020204" pitchFamily="34" charset="-122"/>
                 </a:rPr>
-                <a:t>           </a:t>
+                <a:t>                           </a:t>
               </a:r>
               <a:r>
                 <a:rPr lang="en-US" altLang="zh-CN" dirty="0">
                   <a:solidFill>
                     <a:srgbClr val="FF0000"/>
                   </a:solidFill>
+                  <a:latin typeface="微软雅黑" panose="020B0503020204020204" pitchFamily="34" charset="-122"/>
                   <a:ea typeface="微软雅黑" panose="020B0503020204020204" pitchFamily="34" charset="-122"/>
                 </a:rPr>
                 <a:t>DR Laser 55GHz</a:t>
@@ -25362,6 +25480,7 @@
                   <a:solidFill>
                     <a:srgbClr val="FF0000"/>
                   </a:solidFill>
+                  <a:latin typeface="微软雅黑" panose="020B0503020204020204" pitchFamily="34" charset="-122"/>
                   <a:ea typeface="微软雅黑" panose="020B0503020204020204" pitchFamily="34" charset="-122"/>
                 </a:rPr>
                 <a:t>           </a:t>
@@ -25370,6 +25489,7 @@
                 <a:solidFill>
                   <a:srgbClr val="FF0000"/>
                 </a:solidFill>
+                <a:latin typeface="微软雅黑" panose="020B0503020204020204" pitchFamily="34" charset="-122"/>
                 <a:ea typeface="微软雅黑" panose="020B0503020204020204" pitchFamily="34" charset="-122"/>
               </a:endParaRPr>
             </a:p>
